--- a/SUPER RESOLUTION A SPATIAL SUBPIXEL INTERPOLATION TECHNIQUE_sprint_2.pptx
+++ b/SUPER RESOLUTION A SPATIAL SUBPIXEL INTERPOLATION TECHNIQUE_sprint_2.pptx
@@ -7,14 +7,13 @@
   <p:sldIdLst>
     <p:sldId id="256" r:id="rId2"/>
     <p:sldId id="257" r:id="rId3"/>
-    <p:sldId id="277" r:id="rId4"/>
-    <p:sldId id="281" r:id="rId5"/>
-    <p:sldId id="278" r:id="rId6"/>
-    <p:sldId id="282" r:id="rId7"/>
-    <p:sldId id="279" r:id="rId8"/>
-    <p:sldId id="272" r:id="rId9"/>
-    <p:sldId id="270" r:id="rId10"/>
-    <p:sldId id="271" r:id="rId11"/>
+    <p:sldId id="283" r:id="rId4"/>
+    <p:sldId id="278" r:id="rId5"/>
+    <p:sldId id="282" r:id="rId6"/>
+    <p:sldId id="279" r:id="rId7"/>
+    <p:sldId id="272" r:id="rId8"/>
+    <p:sldId id="270" r:id="rId9"/>
+    <p:sldId id="271" r:id="rId10"/>
   </p:sldIdLst>
   <p:sldSz cx="12192000" cy="6858000"/>
   <p:notesSz cx="6858000" cy="9144000"/>
@@ -9127,72 +9126,6 @@
 </p:sld>
 </file>
 
-<file path=ppt/slides/slide10.xml><?xml version="1.0" encoding="utf-8"?>
-<p:sld xmlns:a="http://schemas.openxmlformats.org/drawingml/2006/main" xmlns:r="http://schemas.openxmlformats.org/officeDocument/2006/relationships" xmlns:p="http://schemas.openxmlformats.org/presentationml/2006/main">
-  <p:cSld>
-    <p:spTree>
-      <p:nvGrpSpPr>
-        <p:cNvPr id="1" name=""/>
-        <p:cNvGrpSpPr/>
-        <p:nvPr/>
-      </p:nvGrpSpPr>
-      <p:grpSpPr>
-        <a:xfrm>
-          <a:off x="0" y="0"/>
-          <a:ext cx="0" cy="0"/>
-          <a:chOff x="0" y="0"/>
-          <a:chExt cx="0" cy="0"/>
-        </a:xfrm>
-      </p:grpSpPr>
-      <p:sp>
-        <p:nvSpPr>
-          <p:cNvPr id="2" name="Title 1"/>
-          <p:cNvSpPr>
-            <a:spLocks noGrp="1"/>
-          </p:cNvSpPr>
-          <p:nvPr>
-            <p:ph type="title"/>
-          </p:nvPr>
-        </p:nvSpPr>
-        <p:spPr>
-          <a:xfrm>
-            <a:off x="851902" y="2754283"/>
-            <a:ext cx="8596668" cy="1320800"/>
-          </a:xfrm>
-        </p:spPr>
-        <p:txBody>
-          <a:bodyPr/>
-          <a:lstStyle/>
-          <a:p>
-            <a:pPr algn="ctr"/>
-            <a:r>
-              <a:rPr lang="en-US" dirty="0"/>
-              <a:t>MUL</a:t>
-            </a:r>
-            <a:r>
-              <a:rPr lang="ro-RO" dirty="0"/>
-              <a:t>ȚUMIM PENTRU ATENȚIE</a:t>
-            </a:r>
-            <a:r>
-              <a:rPr lang="en-US" dirty="0"/>
-              <a:t>!</a:t>
-            </a:r>
-          </a:p>
-        </p:txBody>
-      </p:sp>
-    </p:spTree>
-    <p:extLst>
-      <p:ext uri="{BB962C8B-B14F-4D97-AF65-F5344CB8AC3E}">
-        <p14:creationId xmlns:p14="http://schemas.microsoft.com/office/powerpoint/2010/main" val="1829576419"/>
-      </p:ext>
-    </p:extLst>
-  </p:cSld>
-  <p:clrMapOvr>
-    <a:masterClrMapping/>
-  </p:clrMapOvr>
-</p:sld>
-</file>
-
 <file path=ppt/slides/slide2.xml><?xml version="1.0" encoding="utf-8"?>
 <p:sld xmlns:a="http://schemas.openxmlformats.org/drawingml/2006/main" xmlns:r="http://schemas.openxmlformats.org/officeDocument/2006/relationships" xmlns:p="http://schemas.openxmlformats.org/presentationml/2006/main">
   <p:cSld>
@@ -9340,798 +9273,6 @@
       </p:grpSpPr>
       <p:sp>
         <p:nvSpPr>
-          <p:cNvPr id="2" name="Title 1">
-            <a:extLst>
-              <a:ext uri="{FF2B5EF4-FFF2-40B4-BE49-F238E27FC236}">
-                <a16:creationId xmlns:a16="http://schemas.microsoft.com/office/drawing/2014/main" id="{E6798D75-C5F1-4671-B871-1796B18A8D51}"/>
-              </a:ext>
-            </a:extLst>
-          </p:cNvPr>
-          <p:cNvSpPr>
-            <a:spLocks noGrp="1"/>
-          </p:cNvSpPr>
-          <p:nvPr>
-            <p:ph type="title"/>
-          </p:nvPr>
-        </p:nvSpPr>
-        <p:spPr/>
-        <p:txBody>
-          <a:bodyPr/>
-          <a:lstStyle/>
-          <a:p>
-            <a:r>
-              <a:rPr lang="en-US" dirty="0" smtClean="0"/>
-              <a:t>S</a:t>
-            </a:r>
-            <a:r>
-              <a:rPr lang="ro-RO" dirty="0" smtClean="0"/>
-              <a:t>OLUȚIA</a:t>
-            </a:r>
-            <a:r>
-              <a:rPr lang="en-US" dirty="0" smtClean="0"/>
-              <a:t> </a:t>
-            </a:r>
-            <a:r>
-              <a:rPr lang="ro-RO" dirty="0" smtClean="0"/>
-              <a:t>ABORDATĂ</a:t>
-            </a:r>
-            <a:endParaRPr lang="ro-RO" dirty="0"/>
-          </a:p>
-        </p:txBody>
-      </p:sp>
-      <p:pic>
-        <p:nvPicPr>
-          <p:cNvPr id="5" name="Content Placeholder 4">
-            <a:extLst>
-              <a:ext uri="{FF2B5EF4-FFF2-40B4-BE49-F238E27FC236}">
-                <a16:creationId xmlns:a16="http://schemas.microsoft.com/office/drawing/2014/main" id="{13B2532B-4C1B-47AE-837B-17F8A7351C03}"/>
-              </a:ext>
-            </a:extLst>
-          </p:cNvPr>
-          <p:cNvPicPr>
-            <a:picLocks noGrp="1" noChangeAspect="1"/>
-          </p:cNvPicPr>
-          <p:nvPr>
-            <p:ph idx="1"/>
-          </p:nvPr>
-        </p:nvPicPr>
-        <p:blipFill>
-          <a:blip r:embed="rId2">
-            <a:extLst>
-              <a:ext uri="{28A0092B-C50C-407E-A947-70E740481C1C}">
-                <a14:useLocalDpi xmlns:a14="http://schemas.microsoft.com/office/drawing/2010/main" val="0"/>
-              </a:ext>
-            </a:extLst>
-          </a:blip>
-          <a:stretch>
-            <a:fillRect/>
-          </a:stretch>
-        </p:blipFill>
-        <p:spPr>
-          <a:xfrm>
-            <a:off x="1320838" y="4697413"/>
-            <a:ext cx="2309675" cy="1622143"/>
-          </a:xfrm>
-        </p:spPr>
-      </p:pic>
-      <p:pic>
-        <p:nvPicPr>
-          <p:cNvPr id="7" name="Picture 6">
-            <a:extLst>
-              <a:ext uri="{FF2B5EF4-FFF2-40B4-BE49-F238E27FC236}">
-                <a16:creationId xmlns:a16="http://schemas.microsoft.com/office/drawing/2014/main" id="{73548EED-8E46-4B3F-8EBE-AC24F7B2F97E}"/>
-              </a:ext>
-            </a:extLst>
-          </p:cNvPr>
-          <p:cNvPicPr>
-            <a:picLocks noChangeAspect="1"/>
-          </p:cNvPicPr>
-          <p:nvPr/>
-        </p:nvPicPr>
-        <p:blipFill>
-          <a:blip r:embed="rId3">
-            <a:extLst>
-              <a:ext uri="{28A0092B-C50C-407E-A947-70E740481C1C}">
-                <a14:useLocalDpi xmlns:a14="http://schemas.microsoft.com/office/drawing/2010/main" val="0"/>
-              </a:ext>
-            </a:extLst>
-          </a:blip>
-          <a:stretch>
-            <a:fillRect/>
-          </a:stretch>
-        </p:blipFill>
-        <p:spPr>
-          <a:xfrm>
-            <a:off x="476075" y="2074690"/>
-            <a:ext cx="916257" cy="910458"/>
-          </a:xfrm>
-          <a:prstGeom prst="rect">
-            <a:avLst/>
-          </a:prstGeom>
-        </p:spPr>
-      </p:pic>
-      <p:pic>
-        <p:nvPicPr>
-          <p:cNvPr id="9" name="Picture 8">
-            <a:extLst>
-              <a:ext uri="{FF2B5EF4-FFF2-40B4-BE49-F238E27FC236}">
-                <a16:creationId xmlns:a16="http://schemas.microsoft.com/office/drawing/2014/main" id="{87561A05-17C5-4D86-A517-C289818367BC}"/>
-              </a:ext>
-            </a:extLst>
-          </p:cNvPr>
-          <p:cNvPicPr>
-            <a:picLocks noChangeAspect="1"/>
-          </p:cNvPicPr>
-          <p:nvPr/>
-        </p:nvPicPr>
-        <p:blipFill>
-          <a:blip r:embed="rId3">
-            <a:extLst>
-              <a:ext uri="{28A0092B-C50C-407E-A947-70E740481C1C}">
-                <a14:useLocalDpi xmlns:a14="http://schemas.microsoft.com/office/drawing/2010/main" val="0"/>
-              </a:ext>
-            </a:extLst>
-          </a:blip>
-          <a:stretch>
-            <a:fillRect/>
-          </a:stretch>
-        </p:blipFill>
-        <p:spPr>
-          <a:xfrm>
-            <a:off x="1190382" y="2071192"/>
-            <a:ext cx="916258" cy="910459"/>
-          </a:xfrm>
-          <a:prstGeom prst="rect">
-            <a:avLst/>
-          </a:prstGeom>
-        </p:spPr>
-      </p:pic>
-      <p:pic>
-        <p:nvPicPr>
-          <p:cNvPr id="11" name="Picture 10">
-            <a:extLst>
-              <a:ext uri="{FF2B5EF4-FFF2-40B4-BE49-F238E27FC236}">
-                <a16:creationId xmlns:a16="http://schemas.microsoft.com/office/drawing/2014/main" id="{4DF55943-4209-4945-9F58-E320951BADE9}"/>
-              </a:ext>
-            </a:extLst>
-          </p:cNvPr>
-          <p:cNvPicPr>
-            <a:picLocks noChangeAspect="1"/>
-          </p:cNvPicPr>
-          <p:nvPr/>
-        </p:nvPicPr>
-        <p:blipFill>
-          <a:blip r:embed="rId3">
-            <a:extLst>
-              <a:ext uri="{28A0092B-C50C-407E-A947-70E740481C1C}">
-                <a14:useLocalDpi xmlns:a14="http://schemas.microsoft.com/office/drawing/2010/main" val="0"/>
-              </a:ext>
-            </a:extLst>
-          </a:blip>
-          <a:stretch>
-            <a:fillRect/>
-          </a:stretch>
-        </p:blipFill>
-        <p:spPr>
-          <a:xfrm>
-            <a:off x="476076" y="2680748"/>
-            <a:ext cx="916257" cy="910458"/>
-          </a:xfrm>
-          <a:prstGeom prst="rect">
-            <a:avLst/>
-          </a:prstGeom>
-        </p:spPr>
-      </p:pic>
-      <p:pic>
-        <p:nvPicPr>
-          <p:cNvPr id="13" name="Picture 12">
-            <a:extLst>
-              <a:ext uri="{FF2B5EF4-FFF2-40B4-BE49-F238E27FC236}">
-                <a16:creationId xmlns:a16="http://schemas.microsoft.com/office/drawing/2014/main" id="{663DAC3E-361E-4A9E-B334-1030FF370425}"/>
-              </a:ext>
-            </a:extLst>
-          </p:cNvPr>
-          <p:cNvPicPr>
-            <a:picLocks noChangeAspect="1"/>
-          </p:cNvPicPr>
-          <p:nvPr/>
-        </p:nvPicPr>
-        <p:blipFill>
-          <a:blip r:embed="rId3">
-            <a:extLst>
-              <a:ext uri="{28A0092B-C50C-407E-A947-70E740481C1C}">
-                <a14:useLocalDpi xmlns:a14="http://schemas.microsoft.com/office/drawing/2010/main" val="0"/>
-              </a:ext>
-            </a:extLst>
-          </a:blip>
-          <a:stretch>
-            <a:fillRect/>
-          </a:stretch>
-        </p:blipFill>
-        <p:spPr>
-          <a:xfrm>
-            <a:off x="1190383" y="2714644"/>
-            <a:ext cx="916257" cy="910458"/>
-          </a:xfrm>
-          <a:prstGeom prst="rect">
-            <a:avLst/>
-          </a:prstGeom>
-        </p:spPr>
-      </p:pic>
-      <p:pic>
-        <p:nvPicPr>
-          <p:cNvPr id="15" name="Picture 14">
-            <a:extLst>
-              <a:ext uri="{FF2B5EF4-FFF2-40B4-BE49-F238E27FC236}">
-                <a16:creationId xmlns:a16="http://schemas.microsoft.com/office/drawing/2014/main" id="{531EC16D-3256-45D9-B043-468E62180256}"/>
-              </a:ext>
-            </a:extLst>
-          </p:cNvPr>
-          <p:cNvPicPr>
-            <a:picLocks noChangeAspect="1"/>
-          </p:cNvPicPr>
-          <p:nvPr/>
-        </p:nvPicPr>
-        <p:blipFill>
-          <a:blip r:embed="rId4">
-            <a:extLst>
-              <a:ext uri="{28A0092B-C50C-407E-A947-70E740481C1C}">
-                <a14:useLocalDpi xmlns:a14="http://schemas.microsoft.com/office/drawing/2010/main" val="0"/>
-              </a:ext>
-            </a:extLst>
-          </a:blip>
-          <a:stretch>
-            <a:fillRect/>
-          </a:stretch>
-        </p:blipFill>
-        <p:spPr>
-          <a:xfrm>
-            <a:off x="3873120" y="1707143"/>
-            <a:ext cx="1320800" cy="1320800"/>
-          </a:xfrm>
-          <a:prstGeom prst="rect">
-            <a:avLst/>
-          </a:prstGeom>
-        </p:spPr>
-      </p:pic>
-      <p:pic>
-        <p:nvPicPr>
-          <p:cNvPr id="17" name="Picture 16">
-            <a:extLst>
-              <a:ext uri="{FF2B5EF4-FFF2-40B4-BE49-F238E27FC236}">
-                <a16:creationId xmlns:a16="http://schemas.microsoft.com/office/drawing/2014/main" id="{7A49586A-0192-4C5F-9F4C-3A39CC249D40}"/>
-              </a:ext>
-            </a:extLst>
-          </p:cNvPr>
-          <p:cNvPicPr>
-            <a:picLocks noChangeAspect="1"/>
-          </p:cNvPicPr>
-          <p:nvPr/>
-        </p:nvPicPr>
-        <p:blipFill>
-          <a:blip r:embed="rId4">
-            <a:extLst>
-              <a:ext uri="{28A0092B-C50C-407E-A947-70E740481C1C}">
-                <a14:useLocalDpi xmlns:a14="http://schemas.microsoft.com/office/drawing/2010/main" val="0"/>
-              </a:ext>
-            </a:extLst>
-          </a:blip>
-          <a:stretch>
-            <a:fillRect/>
-          </a:stretch>
-        </p:blipFill>
-        <p:spPr>
-          <a:xfrm>
-            <a:off x="4775200" y="1569814"/>
-            <a:ext cx="1320800" cy="1320800"/>
-          </a:xfrm>
-          <a:prstGeom prst="rect">
-            <a:avLst/>
-          </a:prstGeom>
-        </p:spPr>
-      </p:pic>
-      <p:pic>
-        <p:nvPicPr>
-          <p:cNvPr id="19" name="Picture 18">
-            <a:extLst>
-              <a:ext uri="{FF2B5EF4-FFF2-40B4-BE49-F238E27FC236}">
-                <a16:creationId xmlns:a16="http://schemas.microsoft.com/office/drawing/2014/main" id="{8532D309-EB88-4CAE-974D-DA5B4FB18BB6}"/>
-              </a:ext>
-            </a:extLst>
-          </p:cNvPr>
-          <p:cNvPicPr>
-            <a:picLocks noChangeAspect="1"/>
-          </p:cNvPicPr>
-          <p:nvPr/>
-        </p:nvPicPr>
-        <p:blipFill>
-          <a:blip r:embed="rId4">
-            <a:extLst>
-              <a:ext uri="{28A0092B-C50C-407E-A947-70E740481C1C}">
-                <a14:useLocalDpi xmlns:a14="http://schemas.microsoft.com/office/drawing/2010/main" val="0"/>
-              </a:ext>
-            </a:extLst>
-          </a:blip>
-          <a:stretch>
-            <a:fillRect/>
-          </a:stretch>
-        </p:blipFill>
-        <p:spPr>
-          <a:xfrm>
-            <a:off x="3974589" y="2579828"/>
-            <a:ext cx="1320800" cy="1320800"/>
-          </a:xfrm>
-          <a:prstGeom prst="rect">
-            <a:avLst/>
-          </a:prstGeom>
-        </p:spPr>
-      </p:pic>
-      <p:pic>
-        <p:nvPicPr>
-          <p:cNvPr id="21" name="Picture 20">
-            <a:extLst>
-              <a:ext uri="{FF2B5EF4-FFF2-40B4-BE49-F238E27FC236}">
-                <a16:creationId xmlns:a16="http://schemas.microsoft.com/office/drawing/2014/main" id="{1DCD4CF7-93B7-428D-8D3E-2EE1947A9172}"/>
-              </a:ext>
-            </a:extLst>
-          </p:cNvPr>
-          <p:cNvPicPr>
-            <a:picLocks noChangeAspect="1"/>
-          </p:cNvPicPr>
-          <p:nvPr/>
-        </p:nvPicPr>
-        <p:blipFill>
-          <a:blip r:embed="rId4">
-            <a:extLst>
-              <a:ext uri="{28A0092B-C50C-407E-A947-70E740481C1C}">
-                <a14:useLocalDpi xmlns:a14="http://schemas.microsoft.com/office/drawing/2010/main" val="0"/>
-              </a:ext>
-            </a:extLst>
-          </a:blip>
-          <a:stretch>
-            <a:fillRect/>
-          </a:stretch>
-        </p:blipFill>
-        <p:spPr>
-          <a:xfrm>
-            <a:off x="5035295" y="2489330"/>
-            <a:ext cx="1320800" cy="1320800"/>
-          </a:xfrm>
-          <a:prstGeom prst="rect">
-            <a:avLst/>
-          </a:prstGeom>
-        </p:spPr>
-      </p:pic>
-      <p:cxnSp>
-        <p:nvCxnSpPr>
-          <p:cNvPr id="23" name="Straight Arrow Connector 22">
-            <a:extLst>
-              <a:ext uri="{FF2B5EF4-FFF2-40B4-BE49-F238E27FC236}">
-                <a16:creationId xmlns:a16="http://schemas.microsoft.com/office/drawing/2014/main" id="{A90F3D28-7503-4574-ACBB-FE92D374E653}"/>
-              </a:ext>
-            </a:extLst>
-          </p:cNvPr>
-          <p:cNvCxnSpPr>
-            <a:cxnSpLocks/>
-          </p:cNvCxnSpPr>
-          <p:nvPr/>
-        </p:nvCxnSpPr>
-        <p:spPr>
-          <a:xfrm>
-            <a:off x="803746" y="3836689"/>
-            <a:ext cx="664327" cy="1020537"/>
-          </a:xfrm>
-          <a:prstGeom prst="straightConnector1">
-            <a:avLst/>
-          </a:prstGeom>
-          <a:ln>
-            <a:tailEnd type="triangle"/>
-          </a:ln>
-        </p:spPr>
-        <p:style>
-          <a:lnRef idx="1">
-            <a:schemeClr val="accent1"/>
-          </a:lnRef>
-          <a:fillRef idx="0">
-            <a:schemeClr val="accent1"/>
-          </a:fillRef>
-          <a:effectRef idx="0">
-            <a:schemeClr val="accent1"/>
-          </a:effectRef>
-          <a:fontRef idx="minor">
-            <a:schemeClr val="tx1"/>
-          </a:fontRef>
-        </p:style>
-      </p:cxnSp>
-      <p:sp>
-        <p:nvSpPr>
-          <p:cNvPr id="24" name="TextBox 23">
-            <a:extLst>
-              <a:ext uri="{FF2B5EF4-FFF2-40B4-BE49-F238E27FC236}">
-                <a16:creationId xmlns:a16="http://schemas.microsoft.com/office/drawing/2014/main" id="{04DE702E-81D8-4A28-B06C-92F37DF86E18}"/>
-              </a:ext>
-            </a:extLst>
-          </p:cNvPr>
-          <p:cNvSpPr txBox="1"/>
-          <p:nvPr/>
-        </p:nvSpPr>
-        <p:spPr>
-          <a:xfrm>
-            <a:off x="1618420" y="6134890"/>
-            <a:ext cx="789700" cy="369332"/>
-          </a:xfrm>
-          <a:prstGeom prst="rect">
-            <a:avLst/>
-          </a:prstGeom>
-          <a:noFill/>
-        </p:spPr>
-        <p:txBody>
-          <a:bodyPr wrap="square" rtlCol="0">
-            <a:spAutoFit/>
-          </a:bodyPr>
-          <a:lstStyle/>
-          <a:p>
-            <a:r>
-              <a:rPr lang="en-US" dirty="0"/>
-              <a:t>EDSR</a:t>
-            </a:r>
-            <a:endParaRPr lang="ro-RO" dirty="0"/>
-          </a:p>
-        </p:txBody>
-      </p:sp>
-      <p:sp>
-        <p:nvSpPr>
-          <p:cNvPr id="25" name="TextBox 24">
-            <a:extLst>
-              <a:ext uri="{FF2B5EF4-FFF2-40B4-BE49-F238E27FC236}">
-                <a16:creationId xmlns:a16="http://schemas.microsoft.com/office/drawing/2014/main" id="{D1A236C6-3381-4214-BCA7-83A828A550BC}"/>
-              </a:ext>
-            </a:extLst>
-          </p:cNvPr>
-          <p:cNvSpPr txBox="1"/>
-          <p:nvPr/>
-        </p:nvSpPr>
-        <p:spPr>
-          <a:xfrm>
-            <a:off x="137108" y="1663626"/>
-            <a:ext cx="2510447" cy="369332"/>
-          </a:xfrm>
-          <a:prstGeom prst="rect">
-            <a:avLst/>
-          </a:prstGeom>
-          <a:noFill/>
-        </p:spPr>
-        <p:txBody>
-          <a:bodyPr wrap="square" rtlCol="0">
-            <a:spAutoFit/>
-          </a:bodyPr>
-          <a:lstStyle/>
-          <a:p>
-            <a:r>
-              <a:rPr lang="en-US" dirty="0" err="1"/>
-              <a:t>Imagini</a:t>
-            </a:r>
-            <a:r>
-              <a:rPr lang="en-US" dirty="0"/>
-              <a:t> </a:t>
-            </a:r>
-            <a:r>
-              <a:rPr lang="en-US" dirty="0" err="1"/>
-              <a:t>Capturate</a:t>
-            </a:r>
-            <a:r>
-              <a:rPr lang="en-US" dirty="0"/>
-              <a:t> LR</a:t>
-            </a:r>
-            <a:endParaRPr lang="ro-RO" dirty="0"/>
-          </a:p>
-        </p:txBody>
-      </p:sp>
-      <p:cxnSp>
-        <p:nvCxnSpPr>
-          <p:cNvPr id="29" name="Straight Arrow Connector 28">
-            <a:extLst>
-              <a:ext uri="{FF2B5EF4-FFF2-40B4-BE49-F238E27FC236}">
-                <a16:creationId xmlns:a16="http://schemas.microsoft.com/office/drawing/2014/main" id="{C67D5D30-3CE7-4341-9D0A-8663D4709015}"/>
-              </a:ext>
-            </a:extLst>
-          </p:cNvPr>
-          <p:cNvCxnSpPr>
-            <a:cxnSpLocks/>
-          </p:cNvCxnSpPr>
-          <p:nvPr/>
-        </p:nvCxnSpPr>
-        <p:spPr>
-          <a:xfrm flipV="1">
-            <a:off x="3534967" y="3998973"/>
-            <a:ext cx="513394" cy="694137"/>
-          </a:xfrm>
-          <a:prstGeom prst="straightConnector1">
-            <a:avLst/>
-          </a:prstGeom>
-          <a:ln>
-            <a:tailEnd type="triangle"/>
-          </a:ln>
-        </p:spPr>
-        <p:style>
-          <a:lnRef idx="1">
-            <a:schemeClr val="accent1"/>
-          </a:lnRef>
-          <a:fillRef idx="0">
-            <a:schemeClr val="accent1"/>
-          </a:fillRef>
-          <a:effectRef idx="0">
-            <a:schemeClr val="accent1"/>
-          </a:effectRef>
-          <a:fontRef idx="minor">
-            <a:schemeClr val="tx1"/>
-          </a:fontRef>
-        </p:style>
-      </p:cxnSp>
-      <p:cxnSp>
-        <p:nvCxnSpPr>
-          <p:cNvPr id="31" name="Straight Arrow Connector 30">
-            <a:extLst>
-              <a:ext uri="{FF2B5EF4-FFF2-40B4-BE49-F238E27FC236}">
-                <a16:creationId xmlns:a16="http://schemas.microsoft.com/office/drawing/2014/main" id="{4CBEB4B6-2CC2-4B7C-998A-91AE765A339B}"/>
-              </a:ext>
-            </a:extLst>
-          </p:cNvPr>
-          <p:cNvCxnSpPr>
-            <a:cxnSpLocks/>
-          </p:cNvCxnSpPr>
-          <p:nvPr/>
-        </p:nvCxnSpPr>
-        <p:spPr>
-          <a:xfrm>
-            <a:off x="5865339" y="3998973"/>
-            <a:ext cx="1055578" cy="928628"/>
-          </a:xfrm>
-          <a:prstGeom prst="straightConnector1">
-            <a:avLst/>
-          </a:prstGeom>
-          <a:ln>
-            <a:tailEnd type="triangle"/>
-          </a:ln>
-        </p:spPr>
-        <p:style>
-          <a:lnRef idx="1">
-            <a:schemeClr val="accent1"/>
-          </a:lnRef>
-          <a:fillRef idx="0">
-            <a:schemeClr val="accent1"/>
-          </a:fillRef>
-          <a:effectRef idx="0">
-            <a:schemeClr val="accent1"/>
-          </a:effectRef>
-          <a:fontRef idx="minor">
-            <a:schemeClr val="tx1"/>
-          </a:fontRef>
-        </p:style>
-      </p:cxnSp>
-      <p:sp>
-        <p:nvSpPr>
-          <p:cNvPr id="32" name="TextBox 31">
-            <a:extLst>
-              <a:ext uri="{FF2B5EF4-FFF2-40B4-BE49-F238E27FC236}">
-                <a16:creationId xmlns:a16="http://schemas.microsoft.com/office/drawing/2014/main" id="{6AFA3080-6205-441B-A77D-5D842D3F7DDB}"/>
-              </a:ext>
-            </a:extLst>
-          </p:cNvPr>
-          <p:cNvSpPr txBox="1"/>
-          <p:nvPr/>
-        </p:nvSpPr>
-        <p:spPr>
-          <a:xfrm>
-            <a:off x="6326663" y="3998973"/>
-            <a:ext cx="1510019" cy="369332"/>
-          </a:xfrm>
-          <a:prstGeom prst="rect">
-            <a:avLst/>
-          </a:prstGeom>
-          <a:noFill/>
-        </p:spPr>
-        <p:txBody>
-          <a:bodyPr wrap="square" rtlCol="0">
-            <a:spAutoFit/>
-          </a:bodyPr>
-          <a:lstStyle/>
-          <a:p>
-            <a:r>
-              <a:rPr lang="en-US" dirty="0" err="1"/>
-              <a:t>Interpolare</a:t>
-            </a:r>
-            <a:endParaRPr lang="ro-RO" dirty="0"/>
-          </a:p>
-        </p:txBody>
-      </p:sp>
-      <p:pic>
-        <p:nvPicPr>
-          <p:cNvPr id="34" name="Picture 33">
-            <a:extLst>
-              <a:ext uri="{FF2B5EF4-FFF2-40B4-BE49-F238E27FC236}">
-                <a16:creationId xmlns:a16="http://schemas.microsoft.com/office/drawing/2014/main" id="{6FFDFD51-95B2-4372-AD28-355DAD00C458}"/>
-              </a:ext>
-            </a:extLst>
-          </p:cNvPr>
-          <p:cNvPicPr>
-            <a:picLocks noChangeAspect="1"/>
-          </p:cNvPicPr>
-          <p:nvPr/>
-        </p:nvPicPr>
-        <p:blipFill>
-          <a:blip r:embed="rId3">
-            <a:extLst>
-              <a:ext uri="{28A0092B-C50C-407E-A947-70E740481C1C}">
-                <a14:useLocalDpi xmlns:a14="http://schemas.microsoft.com/office/drawing/2010/main" val="0"/>
-              </a:ext>
-            </a:extLst>
-          </a:blip>
-          <a:stretch>
-            <a:fillRect/>
-          </a:stretch>
-        </p:blipFill>
-        <p:spPr>
-          <a:xfrm>
-            <a:off x="7208575" y="4440091"/>
-            <a:ext cx="1576657" cy="1566679"/>
-          </a:xfrm>
-          <a:prstGeom prst="rect">
-            <a:avLst/>
-          </a:prstGeom>
-        </p:spPr>
-      </p:pic>
-      <p:sp>
-        <p:nvSpPr>
-          <p:cNvPr id="35" name="TextBox 34">
-            <a:extLst>
-              <a:ext uri="{FF2B5EF4-FFF2-40B4-BE49-F238E27FC236}">
-                <a16:creationId xmlns:a16="http://schemas.microsoft.com/office/drawing/2014/main" id="{6C7F87AA-2A53-482E-8E09-38C562BF444A}"/>
-              </a:ext>
-            </a:extLst>
-          </p:cNvPr>
-          <p:cNvSpPr txBox="1"/>
-          <p:nvPr/>
-        </p:nvSpPr>
-        <p:spPr>
-          <a:xfrm>
-            <a:off x="4162373" y="3984200"/>
-            <a:ext cx="1702966" cy="369332"/>
-          </a:xfrm>
-          <a:prstGeom prst="rect">
-            <a:avLst/>
-          </a:prstGeom>
-          <a:noFill/>
-        </p:spPr>
-        <p:txBody>
-          <a:bodyPr wrap="square" rtlCol="0">
-            <a:spAutoFit/>
-          </a:bodyPr>
-          <a:lstStyle/>
-          <a:p>
-            <a:r>
-              <a:rPr lang="en-US" dirty="0"/>
-              <a:t>Upscale 2x/3x</a:t>
-            </a:r>
-          </a:p>
-        </p:txBody>
-      </p:sp>
-      <p:sp>
-        <p:nvSpPr>
-          <p:cNvPr id="36" name="TextBox 35">
-            <a:extLst>
-              <a:ext uri="{FF2B5EF4-FFF2-40B4-BE49-F238E27FC236}">
-                <a16:creationId xmlns:a16="http://schemas.microsoft.com/office/drawing/2014/main" id="{121CABD5-ADB2-43CD-8C73-5E2138A37F5A}"/>
-              </a:ext>
-            </a:extLst>
-          </p:cNvPr>
-          <p:cNvSpPr txBox="1"/>
-          <p:nvPr/>
-        </p:nvSpPr>
-        <p:spPr>
-          <a:xfrm>
-            <a:off x="7104359" y="5969540"/>
-            <a:ext cx="2205394" cy="369332"/>
-          </a:xfrm>
-          <a:prstGeom prst="rect">
-            <a:avLst/>
-          </a:prstGeom>
-          <a:noFill/>
-        </p:spPr>
-        <p:txBody>
-          <a:bodyPr wrap="square" rtlCol="0">
-            <a:spAutoFit/>
-          </a:bodyPr>
-          <a:lstStyle/>
-          <a:p>
-            <a:r>
-              <a:rPr lang="en-US" dirty="0" smtClean="0"/>
-              <a:t>Super-</a:t>
-            </a:r>
-            <a:r>
-              <a:rPr lang="en-US" dirty="0" err="1" smtClean="0"/>
-              <a:t>Rezolu</a:t>
-            </a:r>
-            <a:r>
-              <a:rPr lang="ro-RO" dirty="0" smtClean="0"/>
-              <a:t>ți</a:t>
-            </a:r>
-            <a:r>
-              <a:rPr lang="en-US" dirty="0" smtClean="0"/>
-              <a:t>e</a:t>
-            </a:r>
-            <a:endParaRPr lang="ro-RO" dirty="0"/>
-          </a:p>
-        </p:txBody>
-      </p:sp>
-      <p:sp>
-        <p:nvSpPr>
-          <p:cNvPr id="40" name="TextBox 39">
-            <a:extLst>
-              <a:ext uri="{FF2B5EF4-FFF2-40B4-BE49-F238E27FC236}">
-                <a16:creationId xmlns:a16="http://schemas.microsoft.com/office/drawing/2014/main" id="{9A561D6C-FE04-44BA-8E10-91DE3BDCA1F0}"/>
-              </a:ext>
-            </a:extLst>
-          </p:cNvPr>
-          <p:cNvSpPr txBox="1"/>
-          <p:nvPr/>
-        </p:nvSpPr>
-        <p:spPr>
-          <a:xfrm>
-            <a:off x="989314" y="3827932"/>
-            <a:ext cx="1832684" cy="369332"/>
-          </a:xfrm>
-          <a:prstGeom prst="rect">
-            <a:avLst/>
-          </a:prstGeom>
-          <a:noFill/>
-        </p:spPr>
-        <p:txBody>
-          <a:bodyPr wrap="square" rtlCol="0">
-            <a:spAutoFit/>
-          </a:bodyPr>
-          <a:lstStyle/>
-          <a:p>
-            <a:r>
-              <a:rPr lang="en-US" dirty="0"/>
-              <a:t>Single-Image SR</a:t>
-            </a:r>
-            <a:endParaRPr lang="ro-RO" dirty="0"/>
-          </a:p>
-        </p:txBody>
-      </p:sp>
-    </p:spTree>
-    <p:extLst>
-      <p:ext uri="{BB962C8B-B14F-4D97-AF65-F5344CB8AC3E}">
-        <p14:creationId xmlns:p14="http://schemas.microsoft.com/office/powerpoint/2010/main" val="558742200"/>
-      </p:ext>
-    </p:extLst>
-  </p:cSld>
-  <p:clrMapOvr>
-    <a:masterClrMapping/>
-  </p:clrMapOvr>
-</p:sld>
-</file>
-
-<file path=ppt/slides/slide4.xml><?xml version="1.0" encoding="utf-8"?>
-<p:sld xmlns:a="http://schemas.openxmlformats.org/drawingml/2006/main" xmlns:r="http://schemas.openxmlformats.org/officeDocument/2006/relationships" xmlns:p="http://schemas.openxmlformats.org/presentationml/2006/main">
-  <p:cSld>
-    <p:spTree>
-      <p:nvGrpSpPr>
-        <p:cNvPr id="1" name=""/>
-        <p:cNvGrpSpPr/>
-        <p:nvPr/>
-      </p:nvGrpSpPr>
-      <p:grpSpPr>
-        <a:xfrm>
-          <a:off x="0" y="0"/>
-          <a:ext cx="0" cy="0"/>
-          <a:chOff x="0" y="0"/>
-          <a:chExt cx="0" cy="0"/>
-        </a:xfrm>
-      </p:grpSpPr>
-      <p:sp>
-        <p:nvSpPr>
           <p:cNvPr id="2" name="Title 1"/>
           <p:cNvSpPr>
             <a:spLocks noGrp="1"/>
@@ -10181,34 +9322,642 @@
           <a:lstStyle/>
           <a:p>
             <a:r>
-              <a:rPr lang="ro-RO" dirty="0" smtClean="0"/>
-              <a:t>Deep Neural Networks Based Model</a:t>
-            </a:r>
-          </a:p>
-          <a:p>
-            <a:r>
-              <a:rPr lang="ro-RO" dirty="0" smtClean="0"/>
-              <a:t>Enhanced Deep Residual Networks (EDSR)</a:t>
-            </a:r>
-          </a:p>
-          <a:p>
-            <a:r>
-              <a:rPr lang="ro-RO" dirty="0" smtClean="0"/>
-              <a:t>Fast Super-Resolution Convolutional Neural Network (FSRCNN)</a:t>
-            </a:r>
-          </a:p>
-          <a:p>
-            <a:r>
-              <a:rPr lang="ro-RO" dirty="0" smtClean="0"/>
-              <a:t>Deep Laplacian Pyramid Super-Resolution Network (LapSRN)</a:t>
-            </a:r>
+              <a:rPr lang="en-US" dirty="0"/>
+              <a:t>Ne </a:t>
+            </a:r>
+            <a:r>
+              <a:rPr lang="en-US" dirty="0" err="1"/>
+              <a:t>propunem</a:t>
+            </a:r>
+            <a:r>
+              <a:rPr lang="en-US" dirty="0"/>
+              <a:t> </a:t>
+            </a:r>
+            <a:r>
+              <a:rPr lang="en-US" dirty="0" err="1"/>
+              <a:t>atingerea</a:t>
+            </a:r>
+            <a:r>
+              <a:rPr lang="en-US" dirty="0"/>
+              <a:t> super-</a:t>
+            </a:r>
+            <a:r>
+              <a:rPr lang="en-US" dirty="0" err="1"/>
+              <a:t>rezolu</a:t>
+            </a:r>
+            <a:r>
+              <a:rPr lang="ro-RO" dirty="0"/>
+              <a:t>ț</a:t>
+            </a:r>
+            <a:r>
+              <a:rPr lang="en-US" dirty="0" err="1"/>
+              <a:t>iei</a:t>
+            </a:r>
+            <a:r>
+              <a:rPr lang="en-US" dirty="0"/>
+              <a:t> </a:t>
+            </a:r>
+            <a:r>
+              <a:rPr lang="en-US" dirty="0" err="1"/>
+              <a:t>pentru</a:t>
+            </a:r>
+            <a:r>
+              <a:rPr lang="en-US" dirty="0"/>
+              <a:t> o </a:t>
+            </a:r>
+            <a:r>
+              <a:rPr lang="en-US" dirty="0" err="1"/>
+              <a:t>serie</a:t>
+            </a:r>
+            <a:r>
+              <a:rPr lang="en-US" dirty="0"/>
+              <a:t> de </a:t>
+            </a:r>
+            <a:r>
+              <a:rPr lang="en-US" dirty="0" err="1"/>
+              <a:t>imagini</a:t>
+            </a:r>
+            <a:r>
+              <a:rPr lang="en-US" dirty="0"/>
+              <a:t> </a:t>
+            </a:r>
+            <a:r>
+              <a:rPr lang="en-US" dirty="0" err="1"/>
+              <a:t>capturate</a:t>
+            </a:r>
+            <a:r>
+              <a:rPr lang="en-US" dirty="0"/>
+              <a:t> video </a:t>
+            </a:r>
+            <a:r>
+              <a:rPr lang="en-US" dirty="0" err="1"/>
+              <a:t>prin</a:t>
+            </a:r>
+            <a:r>
+              <a:rPr lang="en-US" dirty="0"/>
+              <a:t> </a:t>
+            </a:r>
+            <a:r>
+              <a:rPr lang="en-US" dirty="0" err="1"/>
+              <a:t>metoda</a:t>
+            </a:r>
+            <a:r>
+              <a:rPr lang="en-US" dirty="0"/>
+              <a:t> </a:t>
+            </a:r>
+            <a:r>
+              <a:rPr lang="en-US" b="1" dirty="0" err="1"/>
+              <a:t>Farneback</a:t>
+            </a:r>
+            <a:r>
+              <a:rPr lang="en-US" b="1" dirty="0">
+                <a:latin typeface="BookAntiqua-Bold"/>
+              </a:rPr>
+              <a:t> </a:t>
+            </a:r>
+            <a:r>
+              <a:rPr lang="en-US" dirty="0" err="1">
+                <a:latin typeface="BookAntiqua-Bold"/>
+              </a:rPr>
+              <a:t>ce</a:t>
+            </a:r>
+            <a:r>
+              <a:rPr lang="en-US" dirty="0">
+                <a:latin typeface="BookAntiqua-Bold"/>
+              </a:rPr>
+              <a:t> </a:t>
+            </a:r>
+            <a:r>
+              <a:rPr lang="en-US" dirty="0" err="1">
+                <a:latin typeface="BookAntiqua-Bold"/>
+              </a:rPr>
+              <a:t>incearc</a:t>
+            </a:r>
+            <a:r>
+              <a:rPr lang="ro-RO" dirty="0">
+                <a:latin typeface="BookAntiqua-Bold"/>
+              </a:rPr>
+              <a:t>ă</a:t>
+            </a:r>
+            <a:r>
+              <a:rPr lang="en-US" dirty="0">
+                <a:latin typeface="BookAntiqua-Bold"/>
+              </a:rPr>
+              <a:t> s</a:t>
+            </a:r>
+            <a:r>
+              <a:rPr lang="ro-RO" dirty="0">
+                <a:latin typeface="BookAntiqua-Bold"/>
+              </a:rPr>
+              <a:t>ă</a:t>
+            </a:r>
+            <a:r>
+              <a:rPr lang="en-US" dirty="0">
+                <a:latin typeface="BookAntiqua-Bold"/>
+              </a:rPr>
+              <a:t> </a:t>
+            </a:r>
+            <a:r>
+              <a:rPr lang="en-US" dirty="0" err="1">
+                <a:latin typeface="BookAntiqua-Bold"/>
+              </a:rPr>
+              <a:t>aproximeze</a:t>
+            </a:r>
+            <a:r>
+              <a:rPr lang="en-US" dirty="0">
+                <a:latin typeface="BookAntiqua-Bold"/>
+              </a:rPr>
+              <a:t> mi</a:t>
+            </a:r>
+            <a:r>
+              <a:rPr lang="ro-RO" dirty="0">
+                <a:latin typeface="BookAntiqua-Bold"/>
+              </a:rPr>
+              <a:t>ș</a:t>
+            </a:r>
+            <a:r>
+              <a:rPr lang="en-US" dirty="0" err="1">
+                <a:latin typeface="BookAntiqua-Bold"/>
+              </a:rPr>
+              <a:t>carea</a:t>
+            </a:r>
+            <a:r>
+              <a:rPr lang="en-US" dirty="0">
+                <a:latin typeface="BookAntiqua-Bold"/>
+              </a:rPr>
+              <a:t> </a:t>
+            </a:r>
+            <a:r>
+              <a:rPr lang="en-US" dirty="0" err="1">
+                <a:latin typeface="BookAntiqua-Bold"/>
+              </a:rPr>
+              <a:t>obiectelor</a:t>
+            </a:r>
+            <a:r>
+              <a:rPr lang="en-US" dirty="0">
+                <a:latin typeface="BookAntiqua-Bold"/>
+              </a:rPr>
+              <a:t> </a:t>
+            </a:r>
+            <a:r>
+              <a:rPr lang="ro-RO" dirty="0">
+                <a:latin typeface="BookAntiqua-Bold"/>
+              </a:rPr>
+              <a:t>î</a:t>
+            </a:r>
+            <a:r>
+              <a:rPr lang="en-US" dirty="0">
+                <a:latin typeface="BookAntiqua-Bold"/>
+              </a:rPr>
+              <a:t>n </a:t>
+            </a:r>
+            <a:r>
+              <a:rPr lang="en-US" dirty="0" err="1">
+                <a:latin typeface="BookAntiqua-Bold"/>
+              </a:rPr>
+              <a:t>scen</a:t>
+            </a:r>
+            <a:r>
+              <a:rPr lang="ro-RO" dirty="0">
+                <a:latin typeface="BookAntiqua-Bold"/>
+              </a:rPr>
+              <a:t>ă</a:t>
+            </a:r>
+            <a:r>
+              <a:rPr lang="en-US" dirty="0">
+                <a:latin typeface="BookAntiqua-Bold"/>
+              </a:rPr>
+              <a:t> </a:t>
+            </a:r>
+            <a:r>
+              <a:rPr lang="ro-RO" dirty="0">
+                <a:latin typeface="BookAntiqua-Bold"/>
+              </a:rPr>
+              <a:t>ș</a:t>
+            </a:r>
+            <a:r>
+              <a:rPr lang="en-US" dirty="0" err="1">
+                <a:latin typeface="BookAntiqua-Bold"/>
+              </a:rPr>
+              <a:t>i</a:t>
+            </a:r>
+            <a:r>
+              <a:rPr lang="en-US" dirty="0">
+                <a:latin typeface="BookAntiqua-Bold"/>
+              </a:rPr>
+              <a:t> </a:t>
+            </a:r>
+            <a:r>
+              <a:rPr lang="en-US" dirty="0" err="1">
+                <a:latin typeface="BookAntiqua-Bold"/>
+              </a:rPr>
+              <a:t>pe</a:t>
+            </a:r>
+            <a:r>
+              <a:rPr lang="en-US" dirty="0">
+                <a:latin typeface="BookAntiqua-Bold"/>
+              </a:rPr>
+              <a:t> </a:t>
+            </a:r>
+            <a:r>
+              <a:rPr lang="en-US" dirty="0" err="1">
+                <a:latin typeface="BookAntiqua-Bold"/>
+              </a:rPr>
+              <a:t>baza</a:t>
+            </a:r>
+            <a:r>
+              <a:rPr lang="en-US" dirty="0">
+                <a:latin typeface="BookAntiqua-Bold"/>
+              </a:rPr>
+              <a:t> </a:t>
+            </a:r>
+            <a:r>
+              <a:rPr lang="en-US" dirty="0" err="1">
+                <a:latin typeface="BookAntiqua-Bold"/>
+              </a:rPr>
+              <a:t>acestor</a:t>
+            </a:r>
+            <a:r>
+              <a:rPr lang="en-US" dirty="0">
+                <a:latin typeface="BookAntiqua-Bold"/>
+              </a:rPr>
+              <a:t> mi</a:t>
+            </a:r>
+            <a:r>
+              <a:rPr lang="ro-RO" dirty="0">
+                <a:latin typeface="BookAntiqua-Bold"/>
+              </a:rPr>
+              <a:t>ș</a:t>
+            </a:r>
+            <a:r>
+              <a:rPr lang="en-US" dirty="0">
+                <a:latin typeface="BookAntiqua-Bold"/>
+              </a:rPr>
+              <a:t>c</a:t>
+            </a:r>
+            <a:r>
+              <a:rPr lang="ro-RO" dirty="0">
+                <a:latin typeface="BookAntiqua-Bold"/>
+              </a:rPr>
+              <a:t>ă</a:t>
+            </a:r>
+            <a:r>
+              <a:rPr lang="en-US" dirty="0" err="1">
+                <a:latin typeface="BookAntiqua-Bold"/>
+              </a:rPr>
+              <a:t>ri</a:t>
+            </a:r>
+            <a:r>
+              <a:rPr lang="en-US" dirty="0">
+                <a:latin typeface="BookAntiqua-Bold"/>
+              </a:rPr>
+              <a:t> s</a:t>
+            </a:r>
+            <a:r>
+              <a:rPr lang="ro-RO" dirty="0">
+                <a:latin typeface="BookAntiqua-Bold"/>
+              </a:rPr>
+              <a:t>ă</a:t>
+            </a:r>
+            <a:r>
+              <a:rPr lang="en-US" dirty="0">
+                <a:latin typeface="BookAntiqua-Bold"/>
+              </a:rPr>
+              <a:t> </a:t>
+            </a:r>
+            <a:r>
+              <a:rPr lang="en-US" dirty="0" err="1">
+                <a:latin typeface="BookAntiqua-Bold"/>
+              </a:rPr>
+              <a:t>ob</a:t>
+            </a:r>
+            <a:r>
+              <a:rPr lang="ro-RO" dirty="0">
+                <a:latin typeface="BookAntiqua-Bold"/>
+              </a:rPr>
+              <a:t>ț</a:t>
+            </a:r>
+            <a:r>
+              <a:rPr lang="en-US" dirty="0">
+                <a:latin typeface="BookAntiqua-Bold"/>
+              </a:rPr>
+              <a:t>in</a:t>
+            </a:r>
+            <a:r>
+              <a:rPr lang="ro-RO" dirty="0">
+                <a:latin typeface="BookAntiqua-Bold"/>
+              </a:rPr>
+              <a:t>ă</a:t>
+            </a:r>
+            <a:r>
+              <a:rPr lang="en-US" dirty="0">
+                <a:latin typeface="BookAntiqua-Bold"/>
+              </a:rPr>
+              <a:t> </a:t>
+            </a:r>
+            <a:r>
+              <a:rPr lang="en-US" dirty="0" err="1">
+                <a:latin typeface="BookAntiqua-Bold"/>
+              </a:rPr>
+              <a:t>informa</a:t>
+            </a:r>
+            <a:r>
+              <a:rPr lang="ro-RO" dirty="0">
+                <a:latin typeface="BookAntiqua-Bold"/>
+              </a:rPr>
+              <a:t>ț</a:t>
+            </a:r>
+            <a:r>
+              <a:rPr lang="en-US" dirty="0">
+                <a:latin typeface="BookAntiqua-Bold"/>
+              </a:rPr>
+              <a:t>ii </a:t>
+            </a:r>
+            <a:r>
+              <a:rPr lang="en-US" dirty="0" err="1">
+                <a:latin typeface="BookAntiqua-Bold"/>
+              </a:rPr>
+              <a:t>noi</a:t>
+            </a:r>
+            <a:r>
+              <a:rPr lang="en-US" dirty="0">
+                <a:latin typeface="BookAntiqua-Bold"/>
+              </a:rPr>
+              <a:t> </a:t>
+            </a:r>
+            <a:r>
+              <a:rPr lang="en-US" dirty="0" err="1">
+                <a:latin typeface="BookAntiqua-Bold"/>
+              </a:rPr>
+              <a:t>ce</a:t>
+            </a:r>
+            <a:r>
+              <a:rPr lang="en-US" dirty="0">
+                <a:latin typeface="BookAntiqua-Bold"/>
+              </a:rPr>
+              <a:t> </a:t>
+            </a:r>
+            <a:r>
+              <a:rPr lang="en-US" dirty="0" err="1">
+                <a:latin typeface="BookAntiqua-Bold"/>
+              </a:rPr>
+              <a:t>ajut</a:t>
+            </a:r>
+            <a:r>
+              <a:rPr lang="ro-RO" dirty="0">
+                <a:latin typeface="BookAntiqua-Bold"/>
+              </a:rPr>
+              <a:t>ă</a:t>
+            </a:r>
+            <a:r>
+              <a:rPr lang="en-US" dirty="0">
+                <a:latin typeface="BookAntiqua-Bold"/>
+              </a:rPr>
+              <a:t> la </a:t>
+            </a:r>
+            <a:r>
+              <a:rPr lang="en-US" dirty="0" err="1">
+                <a:latin typeface="BookAntiqua-Bold"/>
+              </a:rPr>
+              <a:t>reconstruc</a:t>
+            </a:r>
+            <a:r>
+              <a:rPr lang="ro-RO" dirty="0">
+                <a:latin typeface="BookAntiqua-Bold"/>
+              </a:rPr>
+              <a:t>ț</a:t>
+            </a:r>
+            <a:r>
+              <a:rPr lang="en-US" dirty="0" err="1">
+                <a:latin typeface="BookAntiqua-Bold"/>
+              </a:rPr>
+              <a:t>ia</a:t>
+            </a:r>
+            <a:r>
+              <a:rPr lang="en-US" dirty="0">
+                <a:latin typeface="BookAntiqua-Bold"/>
+              </a:rPr>
+              <a:t> </a:t>
+            </a:r>
+            <a:r>
+              <a:rPr lang="en-US" dirty="0" err="1">
+                <a:latin typeface="BookAntiqua-Bold"/>
+              </a:rPr>
+              <a:t>mai</a:t>
+            </a:r>
+            <a:r>
+              <a:rPr lang="en-US" dirty="0">
+                <a:latin typeface="BookAntiqua-Bold"/>
+              </a:rPr>
+              <a:t> </a:t>
+            </a:r>
+            <a:r>
+              <a:rPr lang="en-US" dirty="0" err="1">
+                <a:latin typeface="BookAntiqua-Bold"/>
+              </a:rPr>
+              <a:t>fidel</a:t>
+            </a:r>
+            <a:r>
+              <a:rPr lang="ro-RO" dirty="0">
+                <a:latin typeface="BookAntiqua-Bold"/>
+              </a:rPr>
+              <a:t>ă</a:t>
+            </a:r>
+            <a:r>
+              <a:rPr lang="en-US" dirty="0">
+                <a:latin typeface="BookAntiqua-Bold"/>
+              </a:rPr>
+              <a:t> a </a:t>
+            </a:r>
+            <a:r>
+              <a:rPr lang="en-US" dirty="0" err="1">
+                <a:latin typeface="BookAntiqua-Bold"/>
+              </a:rPr>
+              <a:t>imaginii</a:t>
+            </a:r>
+            <a:r>
+              <a:rPr lang="en-US" dirty="0">
+                <a:latin typeface="BookAntiqua-Bold"/>
+              </a:rPr>
+              <a:t> high-</a:t>
+            </a:r>
+            <a:r>
+              <a:rPr lang="en-US" dirty="0" err="1">
+                <a:latin typeface="BookAntiqua-Bold"/>
+              </a:rPr>
+              <a:t>rez</a:t>
+            </a:r>
+            <a:r>
+              <a:rPr lang="en-US" dirty="0">
+                <a:latin typeface="BookAntiqua-Bold"/>
+              </a:rPr>
+              <a:t>.</a:t>
+            </a:r>
+            <a:endParaRPr lang="en-US" dirty="0"/>
+          </a:p>
+          <a:p>
+            <a:endParaRPr lang="en-US" dirty="0"/>
+          </a:p>
+          <a:p>
+            <a:pPr marL="0" indent="0">
+              <a:buNone/>
+            </a:pPr>
+            <a:endParaRPr lang="en-US" dirty="0"/>
+          </a:p>
+          <a:p>
+            <a:r>
+              <a:rPr lang="en-US" dirty="0"/>
+              <a:t>BEYOND STATE OF THE ART : </a:t>
+            </a:r>
+            <a:r>
+              <a:rPr lang="en-US" dirty="0" err="1"/>
+              <a:t>Oricare</a:t>
+            </a:r>
+            <a:r>
+              <a:rPr lang="en-US" dirty="0"/>
+              <a:t> </a:t>
+            </a:r>
+            <a:r>
+              <a:rPr lang="en-US" dirty="0" err="1"/>
+              <a:t>dintre</a:t>
+            </a:r>
+            <a:r>
+              <a:rPr lang="en-US" dirty="0"/>
+              <a:t>:</a:t>
+            </a:r>
+          </a:p>
+          <a:p>
+            <a:pPr lvl="1"/>
+            <a:r>
+              <a:rPr lang="en-US" dirty="0"/>
+              <a:t>M</a:t>
+            </a:r>
+            <a:r>
+              <a:rPr lang="ro-RO" dirty="0"/>
+              <a:t>ă</a:t>
+            </a:r>
+            <a:r>
+              <a:rPr lang="en-US" dirty="0" err="1"/>
+              <a:t>rirea</a:t>
+            </a:r>
+            <a:r>
+              <a:rPr lang="en-US" dirty="0"/>
+              <a:t> </a:t>
+            </a:r>
+            <a:r>
+              <a:rPr lang="en-US" dirty="0" err="1"/>
+              <a:t>preforman</a:t>
+            </a:r>
+            <a:r>
+              <a:rPr lang="ro-RO" dirty="0"/>
+              <a:t>ț</a:t>
+            </a:r>
+            <a:r>
+              <a:rPr lang="en-US" dirty="0" err="1"/>
+              <a:t>ei</a:t>
+            </a:r>
+            <a:r>
+              <a:rPr lang="en-US" dirty="0"/>
+              <a:t> (</a:t>
+            </a:r>
+            <a:r>
+              <a:rPr lang="en-US" dirty="0" err="1"/>
+              <a:t>metoda</a:t>
+            </a:r>
+            <a:r>
+              <a:rPr lang="en-US" dirty="0"/>
+              <a:t> </a:t>
+            </a:r>
+            <a:r>
+              <a:rPr lang="en-US" dirty="0" err="1"/>
+              <a:t>este</a:t>
+            </a:r>
+            <a:r>
+              <a:rPr lang="en-US" dirty="0"/>
+              <a:t> </a:t>
+            </a:r>
+            <a:r>
+              <a:rPr lang="en-US" dirty="0" err="1"/>
+              <a:t>destul</a:t>
+            </a:r>
+            <a:r>
+              <a:rPr lang="en-US" dirty="0"/>
+              <a:t> de </a:t>
+            </a:r>
+            <a:r>
+              <a:rPr lang="ro-RO" dirty="0"/>
+              <a:t>lentă</a:t>
+            </a:r>
+            <a:r>
+              <a:rPr lang="en-US" dirty="0"/>
+              <a:t>)</a:t>
+            </a:r>
+          </a:p>
+          <a:p>
+            <a:pPr lvl="1"/>
+            <a:r>
+              <a:rPr lang="en-US" dirty="0"/>
+              <a:t> Ob</a:t>
+            </a:r>
+            <a:r>
+              <a:rPr lang="ro-RO" dirty="0"/>
+              <a:t>ț</a:t>
+            </a:r>
+            <a:r>
+              <a:rPr lang="en-US" dirty="0" err="1"/>
+              <a:t>inerea</a:t>
+            </a:r>
+            <a:r>
+              <a:rPr lang="en-US" dirty="0"/>
+              <a:t> </a:t>
+            </a:r>
+            <a:r>
+              <a:rPr lang="en-US" dirty="0" err="1"/>
+              <a:t>unei</a:t>
+            </a:r>
+            <a:r>
+              <a:rPr lang="en-US" dirty="0"/>
+              <a:t> </a:t>
+            </a:r>
+            <a:r>
+              <a:rPr lang="en-US" dirty="0" err="1"/>
+              <a:t>calit</a:t>
+            </a:r>
+            <a:r>
+              <a:rPr lang="ro-RO" dirty="0"/>
+              <a:t>ăț</a:t>
+            </a:r>
+            <a:r>
+              <a:rPr lang="en-US" dirty="0" err="1"/>
+              <a:t>i</a:t>
+            </a:r>
+            <a:r>
+              <a:rPr lang="en-US" dirty="0"/>
+              <a:t> </a:t>
+            </a:r>
+            <a:r>
+              <a:rPr lang="en-US" dirty="0" err="1"/>
+              <a:t>mai</a:t>
+            </a:r>
+            <a:r>
+              <a:rPr lang="en-US" dirty="0"/>
+              <a:t> </a:t>
+            </a:r>
+            <a:r>
+              <a:rPr lang="en-US" dirty="0" err="1"/>
+              <a:t>bune</a:t>
+            </a:r>
+            <a:endParaRPr lang="en-US" dirty="0"/>
+          </a:p>
+          <a:p>
+            <a:endParaRPr lang="en-US" dirty="0"/>
           </a:p>
         </p:txBody>
       </p:sp>
     </p:spTree>
     <p:extLst>
       <p:ext uri="{BB962C8B-B14F-4D97-AF65-F5344CB8AC3E}">
-        <p14:creationId xmlns:p14="http://schemas.microsoft.com/office/powerpoint/2010/main" val="2250795212"/>
+        <p14:creationId xmlns:p14="http://schemas.microsoft.com/office/powerpoint/2010/main" val="3608579353"/>
       </p:ext>
     </p:extLst>
   </p:cSld>
@@ -10218,7 +9967,7 @@
 </p:sld>
 </file>
 
-<file path=ppt/slides/slide5.xml><?xml version="1.0" encoding="utf-8"?>
+<file path=ppt/slides/slide4.xml><?xml version="1.0" encoding="utf-8"?>
 <p:sld xmlns:a="http://schemas.openxmlformats.org/drawingml/2006/main" xmlns:r="http://schemas.openxmlformats.org/officeDocument/2006/relationships" xmlns:p="http://schemas.openxmlformats.org/presentationml/2006/main">
   <p:cSld>
     <p:spTree>
@@ -10383,7 +10132,7 @@
 </p:sld>
 </file>
 
-<file path=ppt/slides/slide6.xml><?xml version="1.0" encoding="utf-8"?>
+<file path=ppt/slides/slide5.xml><?xml version="1.0" encoding="utf-8"?>
 <p:sld xmlns:a="http://schemas.openxmlformats.org/drawingml/2006/main" xmlns:r="http://schemas.openxmlformats.org/officeDocument/2006/relationships" xmlns:p="http://schemas.openxmlformats.org/presentationml/2006/main">
   <p:cSld>
     <p:spTree>
@@ -10535,6 +10284,154 @@
 </p:sld>
 </file>
 
+<file path=ppt/slides/slide6.xml><?xml version="1.0" encoding="utf-8"?>
+<p:sld xmlns:a="http://schemas.openxmlformats.org/drawingml/2006/main" xmlns:r="http://schemas.openxmlformats.org/officeDocument/2006/relationships" xmlns:p="http://schemas.openxmlformats.org/presentationml/2006/main">
+  <p:cSld>
+    <p:spTree>
+      <p:nvGrpSpPr>
+        <p:cNvPr id="1" name=""/>
+        <p:cNvGrpSpPr/>
+        <p:nvPr/>
+      </p:nvGrpSpPr>
+      <p:grpSpPr>
+        <a:xfrm>
+          <a:off x="0" y="0"/>
+          <a:ext cx="0" cy="0"/>
+          <a:chOff x="0" y="0"/>
+          <a:chExt cx="0" cy="0"/>
+        </a:xfrm>
+      </p:grpSpPr>
+      <p:sp>
+        <p:nvSpPr>
+          <p:cNvPr id="2" name="Title 1"/>
+          <p:cNvSpPr>
+            <a:spLocks noGrp="1"/>
+          </p:cNvSpPr>
+          <p:nvPr>
+            <p:ph type="title"/>
+          </p:nvPr>
+        </p:nvSpPr>
+        <p:spPr/>
+        <p:txBody>
+          <a:bodyPr/>
+          <a:lstStyle/>
+          <a:p>
+            <a:r>
+              <a:rPr lang="ro-RO" dirty="0" smtClean="0"/>
+              <a:t>CONCLUZII PRELIMINARE</a:t>
+            </a:r>
+            <a:endParaRPr lang="en-US" dirty="0"/>
+          </a:p>
+        </p:txBody>
+      </p:sp>
+      <p:sp>
+        <p:nvSpPr>
+          <p:cNvPr id="3" name="Content Placeholder 2"/>
+          <p:cNvSpPr>
+            <a:spLocks noGrp="1"/>
+          </p:cNvSpPr>
+          <p:nvPr>
+            <p:ph idx="1"/>
+          </p:nvPr>
+        </p:nvSpPr>
+        <p:spPr/>
+        <p:txBody>
+          <a:bodyPr/>
+          <a:lstStyle/>
+          <a:p>
+            <a:r>
+              <a:rPr lang="en-US" dirty="0" err="1" smtClean="0"/>
+              <a:t>Timpul</a:t>
+            </a:r>
+            <a:r>
+              <a:rPr lang="en-US" dirty="0" smtClean="0"/>
+              <a:t> de </a:t>
+            </a:r>
+            <a:r>
+              <a:rPr lang="en-US" dirty="0" err="1" smtClean="0"/>
+              <a:t>execu</a:t>
+            </a:r>
+            <a:r>
+              <a:rPr lang="ro-RO" dirty="0" smtClean="0"/>
+              <a:t>ție pe CPU este mult prea mare</a:t>
+            </a:r>
+          </a:p>
+          <a:p>
+            <a:pPr lvl="2"/>
+            <a:r>
+              <a:rPr lang="ro-RO" dirty="0" smtClean="0"/>
+              <a:t>15 s/frame * 30 FPS  * 10 sec video </a:t>
+            </a:r>
+            <a:r>
+              <a:rPr lang="en-US" dirty="0" smtClean="0"/>
+              <a:t>~= 1h </a:t>
+            </a:r>
+            <a:r>
+              <a:rPr lang="en-US" dirty="0" err="1" smtClean="0"/>
+              <a:t>procesare</a:t>
+            </a:r>
+            <a:r>
+              <a:rPr lang="en-US" dirty="0" smtClean="0"/>
+              <a:t> video</a:t>
+            </a:r>
+            <a:endParaRPr lang="ro-RO" dirty="0" smtClean="0"/>
+          </a:p>
+          <a:p>
+            <a:endParaRPr lang="ro-RO" dirty="0" smtClean="0"/>
+          </a:p>
+          <a:p>
+            <a:r>
+              <a:rPr lang="ro-RO" dirty="0" smtClean="0"/>
+              <a:t>Calitatea imaginii sesizabilă chiar și cu o rată de upscaling mică</a:t>
+            </a:r>
+          </a:p>
+          <a:p>
+            <a:endParaRPr lang="en-US" dirty="0" smtClean="0"/>
+          </a:p>
+          <a:p>
+            <a:r>
+              <a:rPr lang="en-US" dirty="0" err="1" smtClean="0"/>
+              <a:t>Rezolu</a:t>
+            </a:r>
+            <a:r>
+              <a:rPr lang="ro-RO" dirty="0" smtClean="0"/>
+              <a:t>ția finală</a:t>
+            </a:r>
+            <a:r>
+              <a:rPr lang="en-US" dirty="0" smtClean="0"/>
+              <a:t>:</a:t>
+            </a:r>
+          </a:p>
+          <a:p>
+            <a:pPr lvl="2"/>
+            <a:r>
+              <a:rPr lang="en-US" dirty="0"/>
+              <a:t>480 x </a:t>
+            </a:r>
+            <a:r>
+              <a:rPr lang="en-US" dirty="0" smtClean="0"/>
+              <a:t>270 -&gt; 946 x 526 ( ~ x2)</a:t>
+            </a:r>
+            <a:endParaRPr lang="ro-RO" dirty="0"/>
+          </a:p>
+          <a:p>
+            <a:endParaRPr lang="ro-RO" dirty="0"/>
+          </a:p>
+        </p:txBody>
+      </p:sp>
+    </p:spTree>
+    <p:extLst>
+      <p:ext uri="{BB962C8B-B14F-4D97-AF65-F5344CB8AC3E}">
+        <p14:creationId xmlns:p14="http://schemas.microsoft.com/office/powerpoint/2010/main" val="2960818433"/>
+      </p:ext>
+    </p:extLst>
+  </p:cSld>
+  <p:clrMapOvr>
+    <a:masterClrMapping/>
+  </p:clrMapOvr>
+</p:sld>
+</file>
+
 <file path=ppt/slides/slide7.xml><?xml version="1.0" encoding="utf-8"?>
 <p:sld xmlns:a="http://schemas.openxmlformats.org/drawingml/2006/main" xmlns:r="http://schemas.openxmlformats.org/officeDocument/2006/relationships" xmlns:p="http://schemas.openxmlformats.org/presentationml/2006/main">
   <p:cSld>
@@ -10568,86 +10465,42 @@
           <a:lstStyle/>
           <a:p>
             <a:r>
-              <a:rPr lang="ro-RO" dirty="0" smtClean="0"/>
-              <a:t>CONCLUZII PRELIMINARE</a:t>
+              <a:rPr lang="ro-RO" dirty="0"/>
+              <a:t>ETAPE VIITOARE</a:t>
             </a:r>
             <a:endParaRPr lang="en-US" dirty="0"/>
           </a:p>
         </p:txBody>
       </p:sp>
-      <p:sp>
-        <p:nvSpPr>
-          <p:cNvPr id="3" name="Content Placeholder 2"/>
-          <p:cNvSpPr>
-            <a:spLocks noGrp="1"/>
-          </p:cNvSpPr>
+      <p:graphicFrame>
+        <p:nvGraphicFramePr>
+          <p:cNvPr id="4" name="Content Placeholder 3"/>
+          <p:cNvGraphicFramePr>
+            <a:graphicFrameLocks noGrp="1"/>
+          </p:cNvGraphicFramePr>
           <p:nvPr>
             <p:ph idx="1"/>
+            <p:extLst>
+              <p:ext uri="{D42A27DB-BD31-4B8C-83A1-F6EECF244321}">
+                <p14:modId xmlns:p14="http://schemas.microsoft.com/office/powerpoint/2010/main" val="1379237966"/>
+              </p:ext>
+            </p:extLst>
           </p:nvPr>
-        </p:nvSpPr>
-        <p:spPr/>
-        <p:txBody>
-          <a:bodyPr/>
-          <a:lstStyle/>
-          <a:p>
-            <a:r>
-              <a:rPr lang="en-US" dirty="0" err="1" smtClean="0"/>
-              <a:t>Timpul</a:t>
-            </a:r>
-            <a:r>
-              <a:rPr lang="en-US" dirty="0" smtClean="0"/>
-              <a:t> de </a:t>
-            </a:r>
-            <a:r>
-              <a:rPr lang="en-US" dirty="0" err="1" smtClean="0"/>
-              <a:t>execu</a:t>
-            </a:r>
-            <a:r>
-              <a:rPr lang="ro-RO" dirty="0" smtClean="0"/>
-              <a:t>ție pe CPU este mult prea mare</a:t>
-            </a:r>
-          </a:p>
-          <a:p>
-            <a:pPr lvl="2"/>
-            <a:r>
-              <a:rPr lang="ro-RO" dirty="0" smtClean="0"/>
-              <a:t>15 s/frame * 30 FPS  * 10 sec video </a:t>
-            </a:r>
-            <a:r>
-              <a:rPr lang="en-US" dirty="0" smtClean="0"/>
-              <a:t>~= 1h </a:t>
-            </a:r>
-            <a:r>
-              <a:rPr lang="en-US" dirty="0" err="1" smtClean="0"/>
-              <a:t>procesare</a:t>
-            </a:r>
-            <a:r>
-              <a:rPr lang="en-US" dirty="0" smtClean="0"/>
-              <a:t> video</a:t>
-            </a:r>
-            <a:endParaRPr lang="ro-RO" dirty="0" smtClean="0"/>
-          </a:p>
-          <a:p>
-            <a:endParaRPr lang="ro-RO" dirty="0" smtClean="0"/>
-          </a:p>
-          <a:p>
-            <a:r>
-              <a:rPr lang="ro-RO" dirty="0" smtClean="0"/>
-              <a:t>Calitatea imaginii sesizabilă chiar și cu o rată de upscaling mică</a:t>
-            </a:r>
-          </a:p>
-          <a:p>
-            <a:endParaRPr lang="ro-RO" dirty="0"/>
-          </a:p>
-          <a:p>
-            <a:endParaRPr lang="ro-RO" dirty="0"/>
-          </a:p>
-        </p:txBody>
-      </p:sp>
+        </p:nvGraphicFramePr>
+        <p:xfrm>
+          <a:off x="677863" y="1930400"/>
+          <a:ext cx="8596139" cy="4111625"/>
+        </p:xfrm>
+        <a:graphic>
+          <a:graphicData uri="http://schemas.openxmlformats.org/drawingml/2006/diagram">
+            <dgm:relIds xmlns:dgm="http://schemas.openxmlformats.org/drawingml/2006/diagram" xmlns:r="http://schemas.openxmlformats.org/officeDocument/2006/relationships" r:dm="rId2" r:lo="rId3" r:qs="rId4" r:cs="rId5"/>
+          </a:graphicData>
+        </a:graphic>
+      </p:graphicFrame>
     </p:spTree>
     <p:extLst>
       <p:ext uri="{BB962C8B-B14F-4D97-AF65-F5344CB8AC3E}">
-        <p14:creationId xmlns:p14="http://schemas.microsoft.com/office/powerpoint/2010/main" val="2960818433"/>
+        <p14:creationId xmlns:p14="http://schemas.microsoft.com/office/powerpoint/2010/main" val="4201970213"/>
       </p:ext>
     </p:extLst>
   </p:cSld>
@@ -10691,41 +10544,48 @@
           <a:p>
             <a:r>
               <a:rPr lang="ro-RO" dirty="0"/>
-              <a:t>ETAPE VIITOARE</a:t>
-            </a:r>
-            <a:endParaRPr lang="en-US" dirty="0"/>
+              <a:t>ÎNTREBĂRI</a:t>
+            </a:r>
+            <a:r>
+              <a:rPr lang="en-US" dirty="0"/>
+              <a:t>?</a:t>
+            </a:r>
           </a:p>
         </p:txBody>
       </p:sp>
-      <p:graphicFrame>
-        <p:nvGraphicFramePr>
+      <p:pic>
+        <p:nvPicPr>
           <p:cNvPr id="4" name="Content Placeholder 3"/>
-          <p:cNvGraphicFramePr>
-            <a:graphicFrameLocks noGrp="1"/>
-          </p:cNvGraphicFramePr>
+          <p:cNvPicPr>
+            <a:picLocks noGrp="1" noChangeAspect="1"/>
+          </p:cNvPicPr>
           <p:nvPr>
             <p:ph idx="1"/>
-            <p:extLst>
-              <p:ext uri="{D42A27DB-BD31-4B8C-83A1-F6EECF244321}">
-                <p14:modId xmlns:p14="http://schemas.microsoft.com/office/powerpoint/2010/main" val="1379237966"/>
-              </p:ext>
-            </p:extLst>
           </p:nvPr>
-        </p:nvGraphicFramePr>
-        <p:xfrm>
-          <a:off x="677863" y="1930400"/>
-          <a:ext cx="8596139" cy="4111625"/>
-        </p:xfrm>
-        <a:graphic>
-          <a:graphicData uri="http://schemas.openxmlformats.org/drawingml/2006/diagram">
-            <dgm:relIds xmlns:dgm="http://schemas.openxmlformats.org/drawingml/2006/diagram" xmlns:r="http://schemas.openxmlformats.org/officeDocument/2006/relationships" r:dm="rId2" r:lo="rId3" r:qs="rId4" r:cs="rId5"/>
-          </a:graphicData>
-        </a:graphic>
-      </p:graphicFrame>
+        </p:nvPicPr>
+        <p:blipFill>
+          <a:blip r:embed="rId2">
+            <a:extLst>
+              <a:ext uri="{28A0092B-C50C-407E-A947-70E740481C1C}">
+                <a14:useLocalDpi xmlns:a14="http://schemas.microsoft.com/office/drawing/2010/main" val="0"/>
+              </a:ext>
+            </a:extLst>
+          </a:blip>
+          <a:stretch>
+            <a:fillRect/>
+          </a:stretch>
+        </p:blipFill>
+        <p:spPr>
+          <a:xfrm>
+            <a:off x="2613473" y="1697691"/>
+            <a:ext cx="5965262" cy="3916445"/>
+          </a:xfrm>
+        </p:spPr>
+      </p:pic>
     </p:spTree>
     <p:extLst>
       <p:ext uri="{BB962C8B-B14F-4D97-AF65-F5344CB8AC3E}">
-        <p14:creationId xmlns:p14="http://schemas.microsoft.com/office/powerpoint/2010/main" val="4201970213"/>
+        <p14:creationId xmlns:p14="http://schemas.microsoft.com/office/powerpoint/2010/main" val="3235080115"/>
       </p:ext>
     </p:extLst>
   </p:cSld>
@@ -10762,55 +10622,36 @@
             <p:ph type="title"/>
           </p:nvPr>
         </p:nvSpPr>
-        <p:spPr/>
+        <p:spPr>
+          <a:xfrm>
+            <a:off x="851902" y="2754283"/>
+            <a:ext cx="8596668" cy="1320800"/>
+          </a:xfrm>
+        </p:spPr>
         <p:txBody>
           <a:bodyPr/>
           <a:lstStyle/>
           <a:p>
+            <a:pPr algn="ctr"/>
+            <a:r>
+              <a:rPr lang="en-US" dirty="0"/>
+              <a:t>MUL</a:t>
+            </a:r>
             <a:r>
               <a:rPr lang="ro-RO" dirty="0"/>
-              <a:t>ÎNTREBĂRI</a:t>
+              <a:t>ȚUMIM PENTRU ATENȚIE</a:t>
             </a:r>
             <a:r>
               <a:rPr lang="en-US" dirty="0"/>
-              <a:t>?</a:t>
+              <a:t>!</a:t>
             </a:r>
           </a:p>
         </p:txBody>
       </p:sp>
-      <p:pic>
-        <p:nvPicPr>
-          <p:cNvPr id="4" name="Content Placeholder 3"/>
-          <p:cNvPicPr>
-            <a:picLocks noGrp="1" noChangeAspect="1"/>
-          </p:cNvPicPr>
-          <p:nvPr>
-            <p:ph idx="1"/>
-          </p:nvPr>
-        </p:nvPicPr>
-        <p:blipFill>
-          <a:blip r:embed="rId2">
-            <a:extLst>
-              <a:ext uri="{28A0092B-C50C-407E-A947-70E740481C1C}">
-                <a14:useLocalDpi xmlns:a14="http://schemas.microsoft.com/office/drawing/2010/main" val="0"/>
-              </a:ext>
-            </a:extLst>
-          </a:blip>
-          <a:stretch>
-            <a:fillRect/>
-          </a:stretch>
-        </p:blipFill>
-        <p:spPr>
-          <a:xfrm>
-            <a:off x="2613473" y="1697691"/>
-            <a:ext cx="5965262" cy="3916445"/>
-          </a:xfrm>
-        </p:spPr>
-      </p:pic>
     </p:spTree>
     <p:extLst>
       <p:ext uri="{BB962C8B-B14F-4D97-AF65-F5344CB8AC3E}">
-        <p14:creationId xmlns:p14="http://schemas.microsoft.com/office/powerpoint/2010/main" val="3235080115"/>
+        <p14:creationId xmlns:p14="http://schemas.microsoft.com/office/powerpoint/2010/main" val="1829576419"/>
       </p:ext>
     </p:extLst>
   </p:cSld>
